--- a/Day_1_gettingStarted/DataScienceIntution.pptx
+++ b/Day_1_gettingStarted/DataScienceIntution.pptx
@@ -8966,7 +8966,19 @@
           <a:p>
             <a:r>
               <a:rPr lang="it-IT" sz="2400" b="1" dirty="0" smtClean="0"/>
-              <a:t>Day 0: An Introduction to Data Science</a:t>
+              <a:t>Day </a:t>
+            </a:r>
+            <a:r>
+              <a:rPr lang="it-IT" sz="2400" b="1" dirty="0" smtClean="0"/>
+              <a:t>1</a:t>
+            </a:r>
+            <a:r>
+              <a:rPr lang="it-IT" sz="2400" b="1" smtClean="0"/>
+              <a:t>: Introduction </a:t>
+            </a:r>
+            <a:r>
+              <a:rPr lang="it-IT" sz="2400" b="1" dirty="0" smtClean="0"/>
+              <a:t>to Data Science</a:t>
             </a:r>
           </a:p>
         </p:txBody>
@@ -9585,11 +9597,7 @@
           <a:p>
             <a:r>
               <a:rPr lang="en-US" dirty="0" smtClean="0"/>
-              <a:t>Join us</a:t>
-            </a:r>
-            <a:r>
-              <a:rPr lang="en-US" dirty="0" smtClean="0"/>
-              <a:t>: </a:t>
+              <a:t>Join us: </a:t>
             </a:r>
             <a:r>
               <a:rPr lang="en-US" dirty="0">
